--- a/プレゼン/RapidCart20191210.pptx
+++ b/プレゼン/RapidCart20191210.pptx
@@ -204,7 +204,7 @@
           <a:p>
             <a:fld id="{0649F128-D4FC-489C-860B-9DD0AB1578C1}" type="datetimeFigureOut">
               <a:rPr kumimoji="1" lang="ja-JP" altLang="en-US" smtClean="0"/>
-              <a:t>2019/12/3</a:t>
+              <a:t>2019/12/4</a:t>
             </a:fld>
             <a:endParaRPr kumimoji="1" lang="ja-JP" altLang="en-US"/>
           </a:p>
@@ -832,7 +832,7 @@
           <a:p>
             <a:fld id="{E50F9C81-DB02-44DB-A10A-141CA506DBCE}" type="datetimeFigureOut">
               <a:rPr kumimoji="1" lang="ja-JP" altLang="en-US" smtClean="0"/>
-              <a:t>2019/12/3</a:t>
+              <a:t>2019/12/4</a:t>
             </a:fld>
             <a:endParaRPr kumimoji="1" lang="ja-JP" altLang="en-US"/>
           </a:p>
@@ -1079,7 +1079,7 @@
           <a:p>
             <a:fld id="{E50F9C81-DB02-44DB-A10A-141CA506DBCE}" type="datetimeFigureOut">
               <a:rPr kumimoji="1" lang="ja-JP" altLang="en-US" smtClean="0"/>
-              <a:t>2019/12/3</a:t>
+              <a:t>2019/12/4</a:t>
             </a:fld>
             <a:endParaRPr kumimoji="1" lang="ja-JP" altLang="en-US"/>
           </a:p>
@@ -1374,7 +1374,7 @@
           <a:p>
             <a:fld id="{E50F9C81-DB02-44DB-A10A-141CA506DBCE}" type="datetimeFigureOut">
               <a:rPr kumimoji="1" lang="ja-JP" altLang="en-US" smtClean="0"/>
-              <a:t>2019/12/3</a:t>
+              <a:t>2019/12/4</a:t>
             </a:fld>
             <a:endParaRPr kumimoji="1" lang="ja-JP" altLang="en-US"/>
           </a:p>
@@ -1603,7 +1603,7 @@
           <a:p>
             <a:fld id="{E50F9C81-DB02-44DB-A10A-141CA506DBCE}" type="datetimeFigureOut">
               <a:rPr kumimoji="1" lang="ja-JP" altLang="en-US" smtClean="0"/>
-              <a:t>2019/12/3</a:t>
+              <a:t>2019/12/4</a:t>
             </a:fld>
             <a:endParaRPr kumimoji="1" lang="ja-JP" altLang="en-US"/>
           </a:p>
@@ -1953,7 +1953,7 @@
           <a:p>
             <a:fld id="{E50F9C81-DB02-44DB-A10A-141CA506DBCE}" type="datetimeFigureOut">
               <a:rPr kumimoji="1" lang="ja-JP" altLang="en-US" smtClean="0"/>
-              <a:t>2019/12/3</a:t>
+              <a:t>2019/12/4</a:t>
             </a:fld>
             <a:endParaRPr kumimoji="1" lang="ja-JP" altLang="en-US"/>
           </a:p>
@@ -2340,7 +2340,7 @@
             <a:fld id="{E50F9C81-DB02-44DB-A10A-141CA506DBCE}" type="datetimeFigureOut">
               <a:rPr lang="ja-JP" altLang="en-US" smtClean="0"/>
               <a:pPr/>
-              <a:t>2019/12/3</a:t>
+              <a:t>2019/12/4</a:t>
             </a:fld>
             <a:endParaRPr lang="ja-JP" altLang="en-US"/>
           </a:p>
@@ -2831,7 +2831,7 @@
           <a:p>
             <a:fld id="{E50F9C81-DB02-44DB-A10A-141CA506DBCE}" type="datetimeFigureOut">
               <a:rPr kumimoji="1" lang="ja-JP" altLang="en-US" smtClean="0"/>
-              <a:t>2019/12/3</a:t>
+              <a:t>2019/12/4</a:t>
             </a:fld>
             <a:endParaRPr kumimoji="1" lang="ja-JP" altLang="en-US"/>
           </a:p>
@@ -2956,7 +2956,7 @@
           <a:p>
             <a:fld id="{E50F9C81-DB02-44DB-A10A-141CA506DBCE}" type="datetimeFigureOut">
               <a:rPr kumimoji="1" lang="ja-JP" altLang="en-US" smtClean="0"/>
-              <a:t>2019/12/3</a:t>
+              <a:t>2019/12/4</a:t>
             </a:fld>
             <a:endParaRPr kumimoji="1" lang="ja-JP" altLang="en-US"/>
           </a:p>
@@ -3134,7 +3134,7 @@
           <a:p>
             <a:fld id="{E50F9C81-DB02-44DB-A10A-141CA506DBCE}" type="datetimeFigureOut">
               <a:rPr kumimoji="1" lang="ja-JP" altLang="en-US" smtClean="0"/>
-              <a:t>2019/12/3</a:t>
+              <a:t>2019/12/4</a:t>
             </a:fld>
             <a:endParaRPr kumimoji="1" lang="ja-JP" altLang="en-US"/>
           </a:p>
@@ -3527,7 +3527,7 @@
           <a:p>
             <a:fld id="{E50F9C81-DB02-44DB-A10A-141CA506DBCE}" type="datetimeFigureOut">
               <a:rPr kumimoji="1" lang="ja-JP" altLang="en-US" smtClean="0"/>
-              <a:t>2019/12/3</a:t>
+              <a:t>2019/12/4</a:t>
             </a:fld>
             <a:endParaRPr kumimoji="1" lang="ja-JP" altLang="en-US"/>
           </a:p>
@@ -3904,7 +3904,7 @@
           <a:p>
             <a:fld id="{E50F9C81-DB02-44DB-A10A-141CA506DBCE}" type="datetimeFigureOut">
               <a:rPr kumimoji="1" lang="ja-JP" altLang="en-US" smtClean="0"/>
-              <a:t>2019/12/3</a:t>
+              <a:t>2019/12/4</a:t>
             </a:fld>
             <a:endParaRPr kumimoji="1" lang="ja-JP" altLang="en-US"/>
           </a:p>
@@ -4223,7 +4223,7 @@
           <a:p>
             <a:fld id="{E50F9C81-DB02-44DB-A10A-141CA506DBCE}" type="datetimeFigureOut">
               <a:rPr kumimoji="1" lang="ja-JP" altLang="en-US" smtClean="0"/>
-              <a:t>2019/12/3</a:t>
+              <a:t>2019/12/4</a:t>
             </a:fld>
             <a:endParaRPr kumimoji="1" lang="ja-JP" altLang="en-US"/>
           </a:p>
@@ -5013,8 +5013,8 @@
         </p:nvSpPr>
         <p:spPr>
           <a:xfrm>
-            <a:off x="4821622" y="1787980"/>
-            <a:ext cx="5508920" cy="4445916"/>
+            <a:off x="4756125" y="1787980"/>
+            <a:ext cx="5574417" cy="4445916"/>
           </a:xfrm>
           <a:prstGeom prst="roundRect">
             <a:avLst/>
@@ -8099,8 +8099,16 @@
               <a:buChar char="l"/>
             </a:pPr>
             <a:r>
+              <a:rPr lang="ja-JP" altLang="en-US" sz="4000"/>
+              <a:t>モジュール</a:t>
+            </a:r>
+            <a:r>
               <a:rPr kumimoji="1" lang="ja-JP" altLang="en-US" sz="4000" smtClean="0"/>
-              <a:t>エッジ側とサーバ側の統合</a:t>
+              <a:t>側</a:t>
+            </a:r>
+            <a:r>
+              <a:rPr kumimoji="1" lang="ja-JP" altLang="en-US" sz="4000" smtClean="0"/>
+              <a:t>とサーバ側の統合</a:t>
             </a:r>
             <a:endParaRPr kumimoji="1" lang="en-US" altLang="ja-JP" sz="4000" smtClean="0"/>
           </a:p>
@@ -8132,8 +8140,12 @@
               <a:buChar char="l"/>
             </a:pPr>
             <a:r>
+              <a:rPr lang="ja-JP" altLang="en-US" sz="4000"/>
+              <a:t>モジュール</a:t>
+            </a:r>
+            <a:r>
               <a:rPr lang="ja-JP" altLang="en-US" sz="4000" smtClean="0"/>
-              <a:t>エッジ側</a:t>
+              <a:t>側</a:t>
             </a:r>
             <a:endParaRPr lang="en-US" altLang="ja-JP" sz="4000" smtClean="0"/>
           </a:p>
